--- a/events/2022-09-14/slides/00-index.pptx
+++ b/events/2022-09-14/slides/00-index.pptx
@@ -226,7 +226,7 @@
             <a:fld id="{35305EB0-020F-4995-961E-A35B2BB78D2B}" type="datetimeFigureOut">
               <a:rPr kumimoji="1" lang="ja-JP" altLang="en-US" smtClean="0"/>
               <a:pPr/>
-              <a:t>2022/9/1</a:t>
+              <a:t>2022/9/12</a:t>
             </a:fld>
             <a:endParaRPr kumimoji="1" lang="ja-JP" altLang="en-US"/>
           </a:p>
@@ -53153,11 +53153,19 @@
             </a:r>
             <a:r>
               <a:rPr lang="ja-JP" altLang="en-US" dirty="0"/>
-              <a:t>サービス全体像・認証・セキュリティ</a:t>
+              <a:t>セキュリティと多要素認証 </a:t>
             </a:r>
             <a:r>
               <a:rPr lang="en-US" altLang="ja-JP" sz="2000" dirty="0"/>
-              <a:t>(30</a:t>
+              <a:t>(</a:t>
+            </a:r>
+            <a:r>
+              <a:rPr lang="ja-JP" altLang="en-US" sz="2000" dirty="0"/>
+              <a:t>田浦</a:t>
+            </a:r>
+            <a:r>
+              <a:rPr lang="en-US" altLang="ja-JP" sz="2000" dirty="0"/>
+              <a:t>15</a:t>
             </a:r>
             <a:r>
               <a:rPr lang="ja-JP" altLang="en-US" sz="2000" dirty="0"/>
@@ -53171,7 +53179,37 @@
           <a:p>
             <a:r>
               <a:rPr lang="en-US" altLang="ja-JP" dirty="0"/>
-              <a:t>3. UTokyo Slack</a:t>
+              <a:t>3. </a:t>
+            </a:r>
+            <a:r>
+              <a:rPr lang="ja-JP" altLang="en-US" dirty="0"/>
+              <a:t>代表的クラウドサービス </a:t>
+            </a:r>
+            <a:r>
+              <a:rPr lang="en-US" altLang="ja-JP" sz="2000" dirty="0"/>
+              <a:t>(</a:t>
+            </a:r>
+            <a:r>
+              <a:rPr lang="ja-JP" altLang="en-US" sz="2000" dirty="0"/>
+              <a:t>田浦</a:t>
+            </a:r>
+            <a:r>
+              <a:rPr lang="en-US" altLang="ja-JP" sz="2000" dirty="0"/>
+              <a:t>25</a:t>
+            </a:r>
+            <a:r>
+              <a:rPr lang="ja-JP" altLang="en-US" sz="2000" dirty="0"/>
+              <a:t>分</a:t>
+            </a:r>
+            <a:r>
+              <a:rPr lang="en-US" altLang="ja-JP" sz="2000" dirty="0"/>
+              <a:t>)</a:t>
+            </a:r>
+          </a:p>
+          <a:p>
+            <a:r>
+              <a:rPr lang="en-US" altLang="ja-JP" dirty="0"/>
+              <a:t>4. UTokyo Slack</a:t>
             </a:r>
             <a:r>
               <a:rPr lang="ja-JP" altLang="en-US" dirty="0"/>
@@ -53187,11 +53225,7 @@
             </a:r>
             <a:r>
               <a:rPr lang="en-US" altLang="ja-JP" sz="2000" dirty="0"/>
-              <a:t>3</a:t>
-            </a:r>
-            <a:r>
-              <a:rPr lang="en-US" altLang="ja-JP" sz="2000"/>
-              <a:t>0</a:t>
+              <a:t>25</a:t>
             </a:r>
             <a:r>
               <a:rPr lang="ja-JP" altLang="en-US" sz="2000" dirty="0"/>
@@ -53205,7 +53239,7 @@
           <a:p>
             <a:r>
               <a:rPr lang="en-US" altLang="ja-JP" dirty="0"/>
-              <a:t>4. </a:t>
+              <a:t>5. </a:t>
             </a:r>
             <a:r>
               <a:rPr lang="en-US" altLang="ja-JP" dirty="0" err="1"/>
@@ -53466,28 +53500,9 @@
         </p:spPr>
         <p:txBody>
           <a:bodyPr>
-            <a:normAutofit fontScale="92500"/>
+            <a:normAutofit fontScale="92500" lnSpcReduction="20000"/>
           </a:bodyPr>
           <a:lstStyle/>
-          <a:p>
-            <a:r>
-              <a:rPr lang="en-US" altLang="ja-JP" dirty="0"/>
-              <a:t>… </a:t>
-            </a:r>
-            <a:r>
-              <a:rPr kumimoji="1" lang="ja-JP" altLang="en-US" dirty="0"/>
-              <a:t>というシステム</a:t>
-            </a:r>
-            <a:r>
-              <a:rPr kumimoji="1" lang="en-US" altLang="ja-JP" dirty="0"/>
-              <a:t>(※)</a:t>
-            </a:r>
-            <a:r>
-              <a:rPr kumimoji="1" lang="ja-JP" altLang="en-US" dirty="0"/>
-              <a:t>を使います</a:t>
-            </a:r>
-            <a:endParaRPr kumimoji="1" lang="en-US" altLang="ja-JP" dirty="0"/>
-          </a:p>
           <a:p>
             <a:r>
               <a:rPr lang="en-US" altLang="ja-JP" dirty="0"/>
@@ -53495,7 +53510,59 @@
             </a:r>
             <a:r>
               <a:rPr lang="ja-JP" altLang="en-US" dirty="0"/>
-              <a:t>質問</a:t>
+              <a:t>質問 </a:t>
+            </a:r>
+            <a:r>
+              <a:rPr lang="en-US" altLang="ja-JP" dirty="0"/>
+              <a:t>sli.do</a:t>
+            </a:r>
+          </a:p>
+          <a:p>
+            <a:pPr lvl="1"/>
+            <a:r>
+              <a:rPr lang="ja-JP" altLang="en-US" dirty="0">
+                <a:hlinkClick r:id="rId2"/>
+              </a:rPr>
+              <a:t>このリンク</a:t>
+            </a:r>
+            <a:r>
+              <a:rPr lang="ja-JP" altLang="en-US" dirty="0"/>
+              <a:t> もしくは、</a:t>
+            </a:r>
+            <a:br>
+              <a:rPr lang="en-US" altLang="ja-JP" dirty="0"/>
+            </a:br>
+            <a:r>
+              <a:rPr lang="en-US" altLang="ja-JP" dirty="0">
+                <a:hlinkClick r:id="rId3"/>
+              </a:rPr>
+              <a:t>https://sli.do/</a:t>
+            </a:r>
+            <a:r>
+              <a:rPr lang="en-US" altLang="ja-JP" dirty="0"/>
+              <a:t> </a:t>
+            </a:r>
+            <a:r>
+              <a:rPr lang="ja-JP" altLang="en-US" dirty="0"/>
+              <a:t>イベントコード： </a:t>
+            </a:r>
+            <a:r>
+              <a:rPr lang="en-US" altLang="ja-JP" sz="3000" b="1" dirty="0">
+                <a:latin typeface="Courier New" panose="02070309020205020404" pitchFamily="49" charset="0"/>
+                <a:cs typeface="Courier New" panose="02070309020205020404" pitchFamily="49" charset="0"/>
+              </a:rPr>
+              <a:t>utelecon202200914</a:t>
+            </a:r>
+            <a:endParaRPr lang="en-US" altLang="ja-JP" b="1" dirty="0">
+              <a:latin typeface="Courier New" panose="02070309020205020404" pitchFamily="49" charset="0"/>
+              <a:cs typeface="Courier New" panose="02070309020205020404" pitchFamily="49" charset="0"/>
+            </a:endParaRPr>
+          </a:p>
+          <a:p>
+            <a:pPr lvl="1"/>
+            <a:r>
+              <a:rPr lang="ja-JP" altLang="en-US" dirty="0"/>
+              <a:t>説明内容その他への質問</a:t>
             </a:r>
             <a:endParaRPr lang="en-US" altLang="ja-JP" dirty="0"/>
           </a:p>
@@ -53503,23 +53570,7 @@
             <a:pPr lvl="1"/>
             <a:r>
               <a:rPr lang="ja-JP" altLang="en-US" dirty="0"/>
-              <a:t>説明内容への質問や、</a:t>
-            </a:r>
-            <a:r>
-              <a:rPr lang="en-US" altLang="ja-JP" dirty="0"/>
-              <a:t>ICT</a:t>
-            </a:r>
-            <a:r>
-              <a:rPr lang="ja-JP" altLang="en-US" dirty="0"/>
-              <a:t>に関する困りごとや相談など</a:t>
-            </a:r>
-            <a:endParaRPr lang="en-US" altLang="ja-JP" dirty="0"/>
-          </a:p>
-          <a:p>
-            <a:pPr lvl="1"/>
-            <a:r>
-              <a:rPr lang="ja-JP" altLang="en-US" dirty="0"/>
-              <a:t>説明中任意のタイミングでご質問ください</a:t>
+              <a:t>説明前・中任意のタイミングでご質問ください</a:t>
             </a:r>
             <a:endParaRPr lang="en-US" altLang="ja-JP" dirty="0"/>
           </a:p>
@@ -53530,9 +53581,16 @@
             </a:r>
             <a:r>
               <a:rPr kumimoji="1" lang="ja-JP" altLang="en-US" dirty="0"/>
-              <a:t>意見交換</a:t>
+              <a:t>意見交換 </a:t>
             </a:r>
-            <a:endParaRPr kumimoji="1" lang="en-US" altLang="ja-JP" dirty="0"/>
+            <a:r>
+              <a:rPr kumimoji="1" lang="en-US" altLang="ja-JP" dirty="0" err="1"/>
+              <a:t>LearnWiz</a:t>
+            </a:r>
+            <a:r>
+              <a:rPr kumimoji="1" lang="en-US" altLang="ja-JP" dirty="0"/>
+              <a:t> One (※)</a:t>
+            </a:r>
           </a:p>
           <a:p>
             <a:pPr lvl="1"/>
@@ -53542,11 +53600,7 @@
             </a:r>
             <a:r>
               <a:rPr lang="en-US" altLang="ja-JP" dirty="0"/>
-              <a:t>: ICT</a:t>
-            </a:r>
-            <a:r>
-              <a:rPr lang="ja-JP" altLang="en-US" dirty="0"/>
-              <a:t>活用に関する身近なグッドプラクティス</a:t>
+              <a:t>: </a:t>
             </a:r>
             <a:endParaRPr kumimoji="1" lang="en-US" altLang="ja-JP" dirty="0"/>
           </a:p>
@@ -53716,7 +53770,7 @@
                 <a:solidFill>
                   <a:schemeClr val="tx1"/>
                 </a:solidFill>
-                <a:hlinkClick r:id="rId2"/>
+                <a:hlinkClick r:id="rId4"/>
               </a:rPr>
               <a:t>https://one.learnwiz.jp/</a:t>
             </a:r>
@@ -53751,7 +53805,7 @@
                 <a:solidFill>
                   <a:schemeClr val="tx1"/>
                 </a:solidFill>
-                <a:hlinkClick r:id="rId3"/>
+                <a:hlinkClick r:id="rId5"/>
               </a:rPr>
               <a:t>総長賞大賞受賞</a:t>
             </a:r>

--- a/events/2022-09-14/slides/00-index.pptx
+++ b/events/2022-09-14/slides/00-index.pptx
@@ -226,7 +226,7 @@
             <a:fld id="{35305EB0-020F-4995-961E-A35B2BB78D2B}" type="datetimeFigureOut">
               <a:rPr kumimoji="1" lang="ja-JP" altLang="en-US" smtClean="0"/>
               <a:pPr/>
-              <a:t>2022/9/12</a:t>
+              <a:t>2022/9/13</a:t>
             </a:fld>
             <a:endParaRPr kumimoji="1" lang="ja-JP" altLang="en-US"/>
           </a:p>
@@ -53194,11 +53194,11 @@
               <a:t>田浦</a:t>
             </a:r>
             <a:r>
-              <a:rPr lang="en-US" altLang="ja-JP" sz="2000" dirty="0"/>
-              <a:t>25</a:t>
+              <a:rPr lang="en-US" altLang="ja-JP" sz="2000"/>
+              <a:t>20</a:t>
             </a:r>
             <a:r>
-              <a:rPr lang="ja-JP" altLang="en-US" sz="2000" dirty="0"/>
+              <a:rPr lang="ja-JP" altLang="en-US" sz="2000"/>
               <a:t>分</a:t>
             </a:r>
             <a:r>
@@ -53500,7 +53500,7 @@
         </p:spPr>
         <p:txBody>
           <a:bodyPr>
-            <a:normAutofit fontScale="92500" lnSpcReduction="20000"/>
+            <a:normAutofit fontScale="85000" lnSpcReduction="10000"/>
           </a:bodyPr>
           <a:lstStyle/>
           <a:p>
@@ -53551,7 +53551,7 @@
                 <a:latin typeface="Courier New" panose="02070309020205020404" pitchFamily="49" charset="0"/>
                 <a:cs typeface="Courier New" panose="02070309020205020404" pitchFamily="49" charset="0"/>
               </a:rPr>
-              <a:t>utelecon202200914</a:t>
+              <a:t>utelecon20220914</a:t>
             </a:r>
             <a:endParaRPr lang="en-US" altLang="ja-JP" b="1" dirty="0">
               <a:latin typeface="Courier New" panose="02070309020205020404" pitchFamily="49" charset="0"/>
@@ -53569,8 +53569,12 @@
           <a:p>
             <a:pPr lvl="1"/>
             <a:r>
+              <a:rPr lang="ja-JP" altLang="en-US"/>
+              <a:t>説明前・説明中、任意</a:t>
+            </a:r>
+            <a:r>
               <a:rPr lang="ja-JP" altLang="en-US" dirty="0"/>
-              <a:t>説明前・中任意のタイミングでご質問ください</a:t>
+              <a:t>のタイミングでご質問ください</a:t>
             </a:r>
             <a:endParaRPr lang="en-US" altLang="ja-JP" dirty="0"/>
           </a:p>
@@ -53591,6 +53595,20 @@
               <a:rPr kumimoji="1" lang="en-US" altLang="ja-JP" dirty="0"/>
               <a:t> One (※)</a:t>
             </a:r>
+          </a:p>
+          <a:p>
+            <a:pPr lvl="1"/>
+            <a:r>
+              <a:rPr kumimoji="1" lang="ja-JP" altLang="en-US" dirty="0">
+                <a:hlinkClick r:id="rId4"/>
+              </a:rPr>
+              <a:t>このリンク</a:t>
+            </a:r>
+            <a:r>
+              <a:rPr kumimoji="1" lang="ja-JP" altLang="en-US" dirty="0"/>
+              <a:t>もしくは</a:t>
+            </a:r>
+            <a:endParaRPr kumimoji="1" lang="en-US" altLang="ja-JP" dirty="0"/>
           </a:p>
           <a:p>
             <a:pPr lvl="1"/>
@@ -53724,7 +53742,7 @@
         </p:nvSpPr>
         <p:spPr>
           <a:xfrm>
-            <a:off x="2123728" y="5582095"/>
+            <a:off x="2381739" y="5744474"/>
             <a:ext cx="6408712" cy="623094"/>
           </a:xfrm>
           <a:prstGeom prst="rect">
@@ -53770,7 +53788,7 @@
                 <a:solidFill>
                   <a:schemeClr val="tx1"/>
                 </a:solidFill>
-                <a:hlinkClick r:id="rId4"/>
+                <a:hlinkClick r:id="rId5"/>
               </a:rPr>
               <a:t>https://one.learnwiz.jp/</a:t>
             </a:r>
@@ -53805,7 +53823,7 @@
                 <a:solidFill>
                   <a:schemeClr val="tx1"/>
                 </a:solidFill>
-                <a:hlinkClick r:id="rId5"/>
+                <a:hlinkClick r:id="rId6"/>
               </a:rPr>
               <a:t>総長賞大賞受賞</a:t>
             </a:r>

--- a/events/2022-09-14/slides/00-index.pptx
+++ b/events/2022-09-14/slides/00-index.pptx
@@ -53500,7 +53500,7 @@
         </p:spPr>
         <p:txBody>
           <a:bodyPr>
-            <a:normAutofit fontScale="85000" lnSpcReduction="10000"/>
+            <a:normAutofit fontScale="92500" lnSpcReduction="10000"/>
           </a:bodyPr>
           <a:lstStyle/>
           <a:p>
@@ -53569,12 +53569,8 @@
           <a:p>
             <a:pPr lvl="1"/>
             <a:r>
-              <a:rPr lang="ja-JP" altLang="en-US"/>
-              <a:t>説明前・説明中、任意</a:t>
-            </a:r>
-            <a:r>
               <a:rPr lang="ja-JP" altLang="en-US" dirty="0"/>
-              <a:t>のタイミングでご質問ください</a:t>
+              <a:t>説明前・説明中、任意のタイミングでご質問ください</a:t>
             </a:r>
             <a:endParaRPr lang="en-US" altLang="ja-JP" dirty="0"/>
           </a:p>
@@ -53599,34 +53595,12 @@
           <a:p>
             <a:pPr lvl="1"/>
             <a:r>
-              <a:rPr kumimoji="1" lang="ja-JP" altLang="en-US" dirty="0">
-                <a:hlinkClick r:id="rId4"/>
-              </a:rPr>
-              <a:t>このリンク</a:t>
+              <a:rPr lang="ja-JP" altLang="en-US"/>
+              <a:t>説明</a:t>
             </a:r>
             <a:r>
-              <a:rPr kumimoji="1" lang="ja-JP" altLang="en-US" dirty="0"/>
-              <a:t>もしくは</a:t>
-            </a:r>
-            <a:endParaRPr kumimoji="1" lang="en-US" altLang="ja-JP" dirty="0"/>
-          </a:p>
-          <a:p>
-            <a:pPr lvl="1"/>
-            <a:r>
               <a:rPr lang="ja-JP" altLang="en-US" dirty="0"/>
-              <a:t>テーマ</a:t>
-            </a:r>
-            <a:r>
-              <a:rPr lang="en-US" altLang="ja-JP" dirty="0"/>
-              <a:t>: </a:t>
-            </a:r>
-            <a:endParaRPr kumimoji="1" lang="en-US" altLang="ja-JP" dirty="0"/>
-          </a:p>
-          <a:p>
-            <a:pPr lvl="1"/>
-            <a:r>
-              <a:rPr lang="ja-JP" altLang="en-US" dirty="0"/>
-              <a:t>説明パート終了後に行います。お時間ありましたらぜひご参加ください</a:t>
+              <a:t>パート終了後に行います。お時間ありましたらぜひご参加ください</a:t>
             </a:r>
             <a:endParaRPr lang="en-US" altLang="ja-JP" dirty="0"/>
           </a:p>
@@ -53788,7 +53762,7 @@
                 <a:solidFill>
                   <a:schemeClr val="tx1"/>
                 </a:solidFill>
-                <a:hlinkClick r:id="rId5"/>
+                <a:hlinkClick r:id="rId4"/>
               </a:rPr>
               <a:t>https://one.learnwiz.jp/</a:t>
             </a:r>
@@ -53823,7 +53797,7 @@
                 <a:solidFill>
                   <a:schemeClr val="tx1"/>
                 </a:solidFill>
-                <a:hlinkClick r:id="rId6"/>
+                <a:hlinkClick r:id="rId5"/>
               </a:rPr>
               <a:t>総長賞大賞受賞</a:t>
             </a:r>

--- a/events/2022-09-14/slides/00-index.pptx
+++ b/events/2022-09-14/slides/00-index.pptx
@@ -226,7 +226,7 @@
             <a:fld id="{35305EB0-020F-4995-961E-A35B2BB78D2B}" type="datetimeFigureOut">
               <a:rPr kumimoji="1" lang="ja-JP" altLang="en-US" smtClean="0"/>
               <a:pPr/>
-              <a:t>2022/9/13</a:t>
+              <a:t>2022/9/14</a:t>
             </a:fld>
             <a:endParaRPr kumimoji="1" lang="ja-JP" altLang="en-US"/>
           </a:p>
@@ -53815,15 +53815,31 @@
                   <a:schemeClr val="tx1"/>
                 </a:solidFill>
               </a:rPr>
-              <a:t>中條麟太郎 文学部</a:t>
+              <a:t>中條麟太郎 </a:t>
             </a:r>
             <a:r>
-              <a:rPr kumimoji="1" lang="en-US" altLang="ja-JP" dirty="0">
+              <a:rPr kumimoji="1" lang="ja-JP" altLang="en-US">
                 <a:solidFill>
                   <a:schemeClr val="tx1"/>
                 </a:solidFill>
               </a:rPr>
-              <a:t>3</a:t>
+              <a:t>文学部</a:t>
+            </a:r>
+            <a:r>
+              <a:rPr lang="en-US" altLang="ja-JP" dirty="0">
+                <a:solidFill>
+                  <a:schemeClr val="tx1"/>
+                </a:solidFill>
+              </a:rPr>
+              <a:t>4</a:t>
+            </a:r>
+            <a:r>
+              <a:rPr kumimoji="1" lang="ja-JP" altLang="en-US">
+                <a:solidFill>
+                  <a:schemeClr val="tx1"/>
+                </a:solidFill>
+              </a:rPr>
+              <a:t>年</a:t>
             </a:r>
             <a:r>
               <a:rPr kumimoji="1" lang="ja-JP" altLang="en-US" dirty="0">
@@ -53831,7 +53847,7 @@
                   <a:schemeClr val="tx1"/>
                 </a:solidFill>
               </a:rPr>
-              <a:t>年）</a:t>
+              <a:t>）</a:t>
             </a:r>
             <a:endParaRPr kumimoji="1" lang="en-US" altLang="ja-JP" dirty="0">
               <a:solidFill>

--- a/events/2022-09-14/slides/00-index.pptx
+++ b/events/2022-09-14/slides/00-index.pptx
@@ -1,6 +1,6 @@
 
 <file path=ppt/presentation.xml><?xml version="1.0" encoding="utf-8"?>
-<p:presentation xmlns:a="http://schemas.openxmlformats.org/drawingml/2006/main" xmlns:r="http://schemas.openxmlformats.org/officeDocument/2006/relationships" xmlns:p="http://schemas.openxmlformats.org/presentationml/2006/main" saveSubsetFonts="1">
+<p:presentation xmlns:a="http://schemas.openxmlformats.org/drawingml/2006/main" xmlns:r="http://schemas.openxmlformats.org/officeDocument/2006/relationships" xmlns:p="http://schemas.openxmlformats.org/presentationml/2006/main" removePersonalInfoOnSave="1" saveSubsetFonts="1">
   <p:sldMasterIdLst>
     <p:sldMasterId id="2147483660" r:id="rId1"/>
   </p:sldMasterIdLst>

--- a/events/2022-09-14/slides/00-index.pptx
+++ b/events/2022-09-14/slides/00-index.pptx
@@ -53165,7 +53165,7 @@
             </a:r>
             <a:r>
               <a:rPr lang="en-US" altLang="ja-JP" sz="2000" dirty="0"/>
-              <a:t>15</a:t>
+              <a:t>20</a:t>
             </a:r>
             <a:r>
               <a:rPr lang="ja-JP" altLang="en-US" sz="2000" dirty="0"/>
@@ -53195,7 +53195,7 @@
             </a:r>
             <a:r>
               <a:rPr lang="en-US" altLang="ja-JP" sz="2000"/>
-              <a:t>20</a:t>
+              <a:t>20+</a:t>
             </a:r>
             <a:r>
               <a:rPr lang="ja-JP" altLang="en-US" sz="2000"/>
